--- a/Mercado das Cartas.pptx
+++ b/Mercado das Cartas.pptx
@@ -4624,7 +4624,7 @@
         </p:nvSpPr>
         <p:spPr>
           <a:xfrm>
-            <a:off x="838200" y="230655"/>
+            <a:off x="838200" y="351678"/>
             <a:ext cx="10515600" cy="1325563"/>
           </a:xfrm>
         </p:spPr>
@@ -5041,49 +5041,6 @@
       </p:grpSpPr>
       <p:sp>
         <p:nvSpPr>
-          <p:cNvPr id="2" name="Title 1">
-            <a:extLst>
-              <a:ext uri="{FF2B5EF4-FFF2-40B4-BE49-F238E27FC236}">
-                <a16:creationId xmlns:a16="http://schemas.microsoft.com/office/drawing/2014/main" id="{FFEEF591-D687-42A2-AC51-9CA4FA802C90}"/>
-              </a:ext>
-            </a:extLst>
-          </p:cNvPr>
-          <p:cNvSpPr>
-            <a:spLocks noGrp="1"/>
-          </p:cNvSpPr>
-          <p:nvPr>
-            <p:ph type="title"/>
-          </p:nvPr>
-        </p:nvSpPr>
-        <p:spPr>
-          <a:xfrm>
-            <a:off x="838200" y="351678"/>
-            <a:ext cx="10515600" cy="1325563"/>
-          </a:xfrm>
-        </p:spPr>
-        <p:txBody>
-          <a:bodyPr/>
-          <a:lstStyle/>
-          <a:p>
-            <a:pPr algn="ctr"/>
-            <a:r>
-              <a:rPr lang="en-US" dirty="0" err="1"/>
-              <a:t>Projeto</a:t>
-            </a:r>
-            <a:r>
-              <a:rPr lang="en-US" dirty="0"/>
-              <a:t> </a:t>
-            </a:r>
-            <a:r>
-              <a:rPr lang="en-US" dirty="0" err="1"/>
-              <a:t>Lógico</a:t>
-            </a:r>
-            <a:endParaRPr lang="en-US" dirty="0"/>
-          </a:p>
-        </p:txBody>
-      </p:sp>
-      <p:sp>
-        <p:nvSpPr>
           <p:cNvPr id="3" name="Content Placeholder 2">
             <a:extLst>
               <a:ext uri="{FF2B5EF4-FFF2-40B4-BE49-F238E27FC236}">
@@ -5173,6 +5130,62 @@
               <a:t>Código → Promoção(Código)</a:t>
             </a:r>
             <a:endParaRPr lang="en-US" sz="2000" dirty="0"/>
+          </a:p>
+        </p:txBody>
+      </p:sp>
+      <p:sp>
+        <p:nvSpPr>
+          <p:cNvPr id="6" name="Title 1">
+            <a:extLst>
+              <a:ext uri="{FF2B5EF4-FFF2-40B4-BE49-F238E27FC236}">
+                <a16:creationId xmlns:a16="http://schemas.microsoft.com/office/drawing/2014/main" id="{3FDCF7EF-B7F8-4E1A-8634-C02EA4DE0953}"/>
+              </a:ext>
+            </a:extLst>
+          </p:cNvPr>
+          <p:cNvSpPr txBox="1">
+            <a:spLocks/>
+          </p:cNvSpPr>
+          <p:nvPr/>
+        </p:nvSpPr>
+        <p:spPr>
+          <a:xfrm>
+            <a:off x="838200" y="351678"/>
+            <a:ext cx="10515600" cy="1325563"/>
+          </a:xfrm>
+          <a:prstGeom prst="rect">
+            <a:avLst/>
+          </a:prstGeom>
+        </p:spPr>
+        <p:txBody>
+          <a:bodyPr vert="horz" lIns="91440" tIns="45720" rIns="91440" bIns="45720" rtlCol="0" anchor="ctr">
+            <a:normAutofit/>
+          </a:bodyPr>
+          <a:lstStyle>
+            <a:lvl1pPr algn="l" defTabSz="914400" rtl="0" eaLnBrk="1" latinLnBrk="0" hangingPunct="1">
+              <a:lnSpc>
+                <a:spcPct val="90000"/>
+              </a:lnSpc>
+              <a:spcBef>
+                <a:spcPct val="0"/>
+              </a:spcBef>
+              <a:buNone/>
+              <a:defRPr sz="4400" kern="1200">
+                <a:solidFill>
+                  <a:schemeClr val="tx1"/>
+                </a:solidFill>
+                <a:latin typeface="+mj-lt"/>
+                <a:ea typeface="+mj-ea"/>
+                <a:cs typeface="+mj-cs"/>
+              </a:defRPr>
+            </a:lvl1pPr>
+          </a:lstStyle>
+          <a:p>
+            <a:pPr algn="ctr"/>
+            <a:r>
+              <a:rPr lang="en-US"/>
+              <a:t>Projeto Lógico</a:t>
+            </a:r>
+            <a:endParaRPr lang="en-US" dirty="0"/>
           </a:p>
         </p:txBody>
       </p:sp>

--- a/Mercado das Cartas.pptx
+++ b/Mercado das Cartas.pptx
@@ -109,6 +109,11 @@
       </a:defRPr>
     </a:lvl9pPr>
   </p:defaultTextStyle>
+  <p:extLst>
+    <p:ext uri="{EFAFB233-063F-42B5-8137-9DF3F51BA10A}">
+      <p15:sldGuideLst xmlns:p15="http://schemas.microsoft.com/office/powerpoint/2012/main"/>
+    </p:ext>
+  </p:extLst>
 </p:presentation>
 </file>
 
@@ -259,7 +264,7 @@
           <a:p>
             <a:fld id="{B9A7A01F-E56B-4B83-BBE8-084C6EF98C17}" type="datetimeFigureOut">
               <a:rPr lang="en-US" smtClean="0"/>
-              <a:t>4/24/2021</a:t>
+              <a:t>4/26/2021</a:t>
             </a:fld>
             <a:endParaRPr lang="en-US"/>
           </a:p>
@@ -457,7 +462,7 @@
           <a:p>
             <a:fld id="{B9A7A01F-E56B-4B83-BBE8-084C6EF98C17}" type="datetimeFigureOut">
               <a:rPr lang="en-US" smtClean="0"/>
-              <a:t>4/24/2021</a:t>
+              <a:t>4/26/2021</a:t>
             </a:fld>
             <a:endParaRPr lang="en-US"/>
           </a:p>
@@ -665,7 +670,7 @@
           <a:p>
             <a:fld id="{B9A7A01F-E56B-4B83-BBE8-084C6EF98C17}" type="datetimeFigureOut">
               <a:rPr lang="en-US" smtClean="0"/>
-              <a:t>4/24/2021</a:t>
+              <a:t>4/26/2021</a:t>
             </a:fld>
             <a:endParaRPr lang="en-US"/>
           </a:p>
@@ -863,7 +868,7 @@
           <a:p>
             <a:fld id="{B9A7A01F-E56B-4B83-BBE8-084C6EF98C17}" type="datetimeFigureOut">
               <a:rPr lang="en-US" smtClean="0"/>
-              <a:t>4/24/2021</a:t>
+              <a:t>4/26/2021</a:t>
             </a:fld>
             <a:endParaRPr lang="en-US"/>
           </a:p>
@@ -1138,7 +1143,7 @@
           <a:p>
             <a:fld id="{B9A7A01F-E56B-4B83-BBE8-084C6EF98C17}" type="datetimeFigureOut">
               <a:rPr lang="en-US" smtClean="0"/>
-              <a:t>4/24/2021</a:t>
+              <a:t>4/26/2021</a:t>
             </a:fld>
             <a:endParaRPr lang="en-US"/>
           </a:p>
@@ -1403,7 +1408,7 @@
           <a:p>
             <a:fld id="{B9A7A01F-E56B-4B83-BBE8-084C6EF98C17}" type="datetimeFigureOut">
               <a:rPr lang="en-US" smtClean="0"/>
-              <a:t>4/24/2021</a:t>
+              <a:t>4/26/2021</a:t>
             </a:fld>
             <a:endParaRPr lang="en-US"/>
           </a:p>
@@ -1815,7 +1820,7 @@
           <a:p>
             <a:fld id="{B9A7A01F-E56B-4B83-BBE8-084C6EF98C17}" type="datetimeFigureOut">
               <a:rPr lang="en-US" smtClean="0"/>
-              <a:t>4/24/2021</a:t>
+              <a:t>4/26/2021</a:t>
             </a:fld>
             <a:endParaRPr lang="en-US"/>
           </a:p>
@@ -1956,7 +1961,7 @@
           <a:p>
             <a:fld id="{B9A7A01F-E56B-4B83-BBE8-084C6EF98C17}" type="datetimeFigureOut">
               <a:rPr lang="en-US" smtClean="0"/>
-              <a:t>4/24/2021</a:t>
+              <a:t>4/26/2021</a:t>
             </a:fld>
             <a:endParaRPr lang="en-US"/>
           </a:p>
@@ -2069,7 +2074,7 @@
           <a:p>
             <a:fld id="{B9A7A01F-E56B-4B83-BBE8-084C6EF98C17}" type="datetimeFigureOut">
               <a:rPr lang="en-US" smtClean="0"/>
-              <a:t>4/24/2021</a:t>
+              <a:t>4/26/2021</a:t>
             </a:fld>
             <a:endParaRPr lang="en-US"/>
           </a:p>
@@ -2380,7 +2385,7 @@
           <a:p>
             <a:fld id="{B9A7A01F-E56B-4B83-BBE8-084C6EF98C17}" type="datetimeFigureOut">
               <a:rPr lang="en-US" smtClean="0"/>
-              <a:t>4/24/2021</a:t>
+              <a:t>4/26/2021</a:t>
             </a:fld>
             <a:endParaRPr lang="en-US"/>
           </a:p>
@@ -2668,7 +2673,7 @@
           <a:p>
             <a:fld id="{B9A7A01F-E56B-4B83-BBE8-084C6EF98C17}" type="datetimeFigureOut">
               <a:rPr lang="en-US" smtClean="0"/>
-              <a:t>4/24/2021</a:t>
+              <a:t>4/26/2021</a:t>
             </a:fld>
             <a:endParaRPr lang="en-US"/>
           </a:p>
@@ -2909,7 +2914,7 @@
           <a:p>
             <a:fld id="{B9A7A01F-E56B-4B83-BBE8-084C6EF98C17}" type="datetimeFigureOut">
               <a:rPr lang="en-US" smtClean="0"/>
-              <a:t>4/24/2021</a:t>
+              <a:t>4/26/2021</a:t>
             </a:fld>
             <a:endParaRPr lang="en-US"/>
           </a:p>
@@ -3533,8 +3538,8 @@
         </p:blipFill>
         <p:spPr bwMode="auto">
           <a:xfrm>
-            <a:off x="2256342" y="1237979"/>
-            <a:ext cx="7679315" cy="4688995"/>
+            <a:off x="838201" y="228057"/>
+            <a:ext cx="10675934" cy="6518732"/>
           </a:xfrm>
           <a:prstGeom prst="rect">
             <a:avLst/>
